--- a/Presentations/AHG UML BP Report to plenary Shenzhen.pptx
+++ b/Presentations/AHG UML BP Report to plenary Shenzhen.pptx
@@ -4733,38 +4733,10 @@
           <a:lstStyle/>
           <a:p>
             <a:r>
-              <a:rPr lang="nb-NO" dirty="0" smtClean="0"/>
-              <a:t>ISO/TC211 Ad hoc </a:t>
-            </a:r>
-            <a:r>
-              <a:rPr lang="nb-NO" dirty="0" err="1" smtClean="0"/>
-              <a:t>group</a:t>
-            </a:r>
-            <a:r>
-              <a:rPr lang="nb-NO" dirty="0" smtClean="0"/>
-              <a:t> </a:t>
-            </a:r>
-            <a:r>
-              <a:rPr lang="nb-NO" dirty="0" err="1" smtClean="0"/>
-              <a:t>on</a:t>
-            </a:r>
-            <a:r>
-              <a:rPr lang="nb-NO" dirty="0" smtClean="0"/>
-              <a:t> best </a:t>
-            </a:r>
-            <a:r>
-              <a:rPr lang="nb-NO" dirty="0" err="1" smtClean="0"/>
-              <a:t>practices</a:t>
-            </a:r>
-            <a:r>
-              <a:rPr lang="nb-NO" dirty="0" smtClean="0"/>
-              <a:t> for UML </a:t>
-            </a:r>
-            <a:r>
-              <a:rPr lang="nb-NO" dirty="0" err="1" smtClean="0"/>
-              <a:t>modelling</a:t>
-            </a:r>
-            <a:endParaRPr lang="nb-NO" dirty="0"/>
+              <a:rPr lang="en-US" dirty="0" smtClean="0"/>
+              <a:t>ISO/TC211 Ad hoc group on best practices for UML modelling</a:t>
+            </a:r>
+            <a:endParaRPr lang="en-US" dirty="0"/>
           </a:p>
         </p:txBody>
       </p:sp>
@@ -5419,7 +5391,6 @@
               <a:rPr lang="nb-NO" sz="2000" dirty="0" smtClean="0"/>
               <a:t> Livelink</a:t>
             </a:r>
-            <a:endParaRPr lang="nb-NO" sz="2000" dirty="0" smtClean="0"/>
           </a:p>
           <a:p>
             <a:r>
@@ -5476,7 +5447,6 @@
               <a:rPr lang="nb-NO" sz="2400" dirty="0" smtClean="0"/>
               <a:t> for a UML BP wiki</a:t>
             </a:r>
-            <a:endParaRPr lang="nb-NO" sz="2400" dirty="0" smtClean="0"/>
           </a:p>
           <a:p>
             <a:r>
@@ -6108,11 +6078,7 @@
             </a:r>
             <a:r>
               <a:rPr lang="nb-NO" sz="2000" dirty="0" smtClean="0"/>
-              <a:t> </a:t>
-            </a:r>
-            <a:r>
-              <a:rPr lang="nb-NO" sz="2000" dirty="0" smtClean="0"/>
-              <a:t>to </a:t>
+              <a:t> to </a:t>
             </a:r>
             <a:r>
               <a:rPr lang="nb-NO" sz="2000" dirty="0" err="1" smtClean="0"/>
@@ -6143,11 +6109,7 @@
             <a:pPr lvl="1"/>
             <a:r>
               <a:rPr lang="nb-NO" sz="2000" dirty="0" smtClean="0"/>
-              <a:t>Open </a:t>
-            </a:r>
-            <a:r>
-              <a:rPr lang="nb-NO" sz="2000" dirty="0" smtClean="0"/>
-              <a:t>to </a:t>
+              <a:t>Open to </a:t>
             </a:r>
             <a:r>
               <a:rPr lang="nb-NO" sz="2000" dirty="0" err="1" smtClean="0"/>
@@ -6207,7 +6169,6 @@
               <a:rPr lang="nb-NO" sz="2000" dirty="0" smtClean="0"/>
               <a:t> isotc211.org</a:t>
             </a:r>
-            <a:endParaRPr lang="nb-NO" sz="2000" dirty="0" smtClean="0"/>
           </a:p>
           <a:p>
             <a:r>
@@ -7091,15 +7052,7 @@
             </a:r>
             <a:r>
               <a:rPr lang="en-GB" sz="2000" dirty="0" smtClean="0"/>
-              <a:t>topics on </a:t>
-            </a:r>
-            <a:r>
-              <a:rPr lang="en-GB" sz="2000" dirty="0" smtClean="0"/>
-              <a:t>the wiki </a:t>
-            </a:r>
-            <a:r>
-              <a:rPr lang="en-GB" sz="2000" dirty="0" smtClean="0"/>
-              <a:t>site</a:t>
+              <a:t>topics on the wiki site</a:t>
             </a:r>
           </a:p>
           <a:p>
@@ -7474,7 +7427,7 @@
   <a:extraClrSchemeLst/>
   <a:extLst>
     <a:ext uri="{05A4C25C-085E-4340-85A3-A5531E510DB2}">
-      <thm15:themeFamily xmlns="" xmlns:thm15="http://schemas.microsoft.com/office/thememl/2012/main" name="1 Statens vegvesen liggende standard norsk.potx [Skrivebeskyttet]" id="{3E198112-B1E4-44BC-8C3E-1CA4DA7E830E}" vid="{29E3B4CA-6E79-4609-AB97-F34C0014226E}"/>
+      <thm15:themeFamily xmlns:thm15="http://schemas.microsoft.com/office/thememl/2012/main" xmlns="" name="1 Statens vegvesen liggende standard norsk.potx [Skrivebeskyttet]" id="{3E198112-B1E4-44BC-8C3E-1CA4DA7E830E}" vid="{29E3B4CA-6E79-4609-AB97-F34C0014226E}"/>
     </a:ext>
   </a:extLst>
 </a:theme>
